--- a/SDOH_Datasets.pptx
+++ b/SDOH_Datasets.pptx
@@ -6,13 +6,11 @@
   </p:sldMasterIdLst>
   <p:sldIdLst>
     <p:sldId id="256" r:id="rId2"/>
-    <p:sldId id="262" r:id="rId3"/>
-    <p:sldId id="264" r:id="rId4"/>
-    <p:sldId id="265" r:id="rId5"/>
-    <p:sldId id="271" r:id="rId6"/>
+    <p:sldId id="275" r:id="rId3"/>
+    <p:sldId id="274" r:id="rId4"/>
+    <p:sldId id="271" r:id="rId5"/>
+    <p:sldId id="265" r:id="rId6"/>
     <p:sldId id="272" r:id="rId7"/>
-    <p:sldId id="273" r:id="rId8"/>
-    <p:sldId id="260" r:id="rId9"/>
   </p:sldIdLst>
   <p:sldSz cx="12192000" cy="6858000"/>
   <p:notesSz cx="6858000" cy="9144000"/>
@@ -111,6 +109,11 @@
       </a:defRPr>
     </a:lvl9pPr>
   </p:defaultTextStyle>
+  <p:extLst>
+    <p:ext uri="{EFAFB233-063F-42B5-8137-9DF3F51BA10A}">
+      <p15:sldGuideLst xmlns:p15="http://schemas.microsoft.com/office/powerpoint/2012/main"/>
+    </p:ext>
+  </p:extLst>
 </p:presentation>
 </file>
 
@@ -261,7 +264,7 @@
           <a:p>
             <a:fld id="{2F895A31-2A35-4063-BCB4-43C799C6486C}" type="datetimeFigureOut">
               <a:rPr lang="en-US" smtClean="0"/>
-              <a:t>4/1/2024</a:t>
+              <a:t>4/27/2024</a:t>
             </a:fld>
             <a:endParaRPr lang="en-US"/>
           </a:p>
@@ -459,7 +462,7 @@
           <a:p>
             <a:fld id="{2F895A31-2A35-4063-BCB4-43C799C6486C}" type="datetimeFigureOut">
               <a:rPr lang="en-US" smtClean="0"/>
-              <a:t>4/1/2024</a:t>
+              <a:t>4/27/2024</a:t>
             </a:fld>
             <a:endParaRPr lang="en-US"/>
           </a:p>
@@ -667,7 +670,7 @@
           <a:p>
             <a:fld id="{2F895A31-2A35-4063-BCB4-43C799C6486C}" type="datetimeFigureOut">
               <a:rPr lang="en-US" smtClean="0"/>
-              <a:t>4/1/2024</a:t>
+              <a:t>4/27/2024</a:t>
             </a:fld>
             <a:endParaRPr lang="en-US"/>
           </a:p>
@@ -865,7 +868,7 @@
           <a:p>
             <a:fld id="{2F895A31-2A35-4063-BCB4-43C799C6486C}" type="datetimeFigureOut">
               <a:rPr lang="en-US" smtClean="0"/>
-              <a:t>4/1/2024</a:t>
+              <a:t>4/27/2024</a:t>
             </a:fld>
             <a:endParaRPr lang="en-US"/>
           </a:p>
@@ -1140,7 +1143,7 @@
           <a:p>
             <a:fld id="{2F895A31-2A35-4063-BCB4-43C799C6486C}" type="datetimeFigureOut">
               <a:rPr lang="en-US" smtClean="0"/>
-              <a:t>4/1/2024</a:t>
+              <a:t>4/27/2024</a:t>
             </a:fld>
             <a:endParaRPr lang="en-US"/>
           </a:p>
@@ -1405,7 +1408,7 @@
           <a:p>
             <a:fld id="{2F895A31-2A35-4063-BCB4-43C799C6486C}" type="datetimeFigureOut">
               <a:rPr lang="en-US" smtClean="0"/>
-              <a:t>4/1/2024</a:t>
+              <a:t>4/27/2024</a:t>
             </a:fld>
             <a:endParaRPr lang="en-US"/>
           </a:p>
@@ -1817,7 +1820,7 @@
           <a:p>
             <a:fld id="{2F895A31-2A35-4063-BCB4-43C799C6486C}" type="datetimeFigureOut">
               <a:rPr lang="en-US" smtClean="0"/>
-              <a:t>4/1/2024</a:t>
+              <a:t>4/27/2024</a:t>
             </a:fld>
             <a:endParaRPr lang="en-US"/>
           </a:p>
@@ -1958,7 +1961,7 @@
           <a:p>
             <a:fld id="{2F895A31-2A35-4063-BCB4-43C799C6486C}" type="datetimeFigureOut">
               <a:rPr lang="en-US" smtClean="0"/>
-              <a:t>4/1/2024</a:t>
+              <a:t>4/27/2024</a:t>
             </a:fld>
             <a:endParaRPr lang="en-US"/>
           </a:p>
@@ -2071,7 +2074,7 @@
           <a:p>
             <a:fld id="{2F895A31-2A35-4063-BCB4-43C799C6486C}" type="datetimeFigureOut">
               <a:rPr lang="en-US" smtClean="0"/>
-              <a:t>4/1/2024</a:t>
+              <a:t>4/27/2024</a:t>
             </a:fld>
             <a:endParaRPr lang="en-US"/>
           </a:p>
@@ -2382,7 +2385,7 @@
           <a:p>
             <a:fld id="{2F895A31-2A35-4063-BCB4-43C799C6486C}" type="datetimeFigureOut">
               <a:rPr lang="en-US" smtClean="0"/>
-              <a:t>4/1/2024</a:t>
+              <a:t>4/27/2024</a:t>
             </a:fld>
             <a:endParaRPr lang="en-US"/>
           </a:p>
@@ -2670,7 +2673,7 @@
           <a:p>
             <a:fld id="{2F895A31-2A35-4063-BCB4-43C799C6486C}" type="datetimeFigureOut">
               <a:rPr lang="en-US" smtClean="0"/>
-              <a:t>4/1/2024</a:t>
+              <a:t>4/27/2024</a:t>
             </a:fld>
             <a:endParaRPr lang="en-US"/>
           </a:p>
@@ -2911,7 +2914,7 @@
           <a:p>
             <a:fld id="{2F895A31-2A35-4063-BCB4-43C799C6486C}" type="datetimeFigureOut">
               <a:rPr lang="en-US" smtClean="0"/>
-              <a:t>4/1/2024</a:t>
+              <a:t>4/27/2024</a:t>
             </a:fld>
             <a:endParaRPr lang="en-US"/>
           </a:p>
@@ -3346,12 +3349,14 @@
         </p:nvSpPr>
         <p:spPr/>
         <p:txBody>
-          <a:bodyPr/>
+          <a:bodyPr>
+            <a:normAutofit/>
+          </a:bodyPr>
           <a:lstStyle/>
           <a:p>
             <a:r>
               <a:rPr lang="en-US" dirty="0"/>
-              <a:t>Social Determinants of Health (dataset)</a:t>
+              <a:t>Social Determinants of Health</a:t>
             </a:r>
           </a:p>
         </p:txBody>
@@ -3391,7 +3396,7 @@
           <p:cNvPr id="2" name="Title 1">
             <a:extLst>
               <a:ext uri="{FF2B5EF4-FFF2-40B4-BE49-F238E27FC236}">
-                <a16:creationId xmlns:a16="http://schemas.microsoft.com/office/drawing/2014/main" id="{386F943C-CD1D-EA28-EAA0-264730155965}"/>
+                <a16:creationId xmlns:a16="http://schemas.microsoft.com/office/drawing/2014/main" id="{EFFF7B05-8796-A850-303F-033EB5EFF34C}"/>
               </a:ext>
             </a:extLst>
           </p:cNvPr>
@@ -3404,8 +3409,8 @@
         </p:nvSpPr>
         <p:spPr>
           <a:xfrm>
-            <a:off x="512618" y="378980"/>
-            <a:ext cx="10515600" cy="1325563"/>
+            <a:off x="838200" y="365125"/>
+            <a:ext cx="10515600" cy="2004002"/>
           </a:xfrm>
         </p:spPr>
         <p:txBody>
@@ -3415,411 +3420,151 @@
           <a:lstStyle/>
           <a:p>
             <a:r>
-              <a:rPr lang="en-US" sz="2000" dirty="0"/>
-              <a:t>Reference article: </a:t>
+              <a:rPr lang="en-US" sz="2800" dirty="0"/>
+              <a:t>We are building a dataset which will have variables related to SDOH for California state, at census tract level, and for the year 2022.</a:t>
             </a:r>
             <a:br>
-              <a:rPr lang="en-US" sz="2000" dirty="0"/>
+              <a:rPr lang="en-US" sz="2800" dirty="0"/>
             </a:br>
-            <a:r>
-              <a:rPr lang="en-US" sz="2000" dirty="0">
+            <a:br>
+              <a:rPr lang="en-US" sz="2800" dirty="0"/>
+            </a:br>
+            <a:r>
+              <a:rPr lang="en-US" sz="2800" dirty="0"/>
+              <a:t>Dataset collection (from CDC and EPA)</a:t>
+            </a:r>
+          </a:p>
+        </p:txBody>
+      </p:sp>
+      <p:sp>
+        <p:nvSpPr>
+          <p:cNvPr id="3" name="Content Placeholder 2">
+            <a:extLst>
+              <a:ext uri="{FF2B5EF4-FFF2-40B4-BE49-F238E27FC236}">
+                <a16:creationId xmlns:a16="http://schemas.microsoft.com/office/drawing/2014/main" id="{6D01DBF2-8C10-B8E7-904A-C2E50E97FEB8}"/>
+              </a:ext>
+            </a:extLst>
+          </p:cNvPr>
+          <p:cNvSpPr>
+            <a:spLocks noGrp="1"/>
+          </p:cNvSpPr>
+          <p:nvPr>
+            <p:ph idx="1"/>
+          </p:nvPr>
+        </p:nvSpPr>
+        <p:spPr>
+          <a:xfrm>
+            <a:off x="838200" y="3428999"/>
+            <a:ext cx="10515600" cy="2747963"/>
+          </a:xfrm>
+        </p:spPr>
+        <p:txBody>
+          <a:bodyPr>
+            <a:normAutofit fontScale="85000" lnSpcReduction="20000"/>
+          </a:bodyPr>
+          <a:lstStyle/>
+          <a:p>
+            <a:r>
+              <a:rPr lang="en-US" dirty="0"/>
+              <a:t>From CDC, Demographics data , year 2020</a:t>
+            </a:r>
+          </a:p>
+          <a:p>
+            <a:r>
+              <a:rPr lang="en-US" dirty="0"/>
+              <a:t>Geographical location: CA, census tract level, FIPS. </a:t>
+            </a:r>
+          </a:p>
+          <a:p>
+            <a:r>
+              <a:rPr lang="en-US" dirty="0">
+                <a:highlight>
+                  <a:srgbClr val="C0C0C0"/>
+                </a:highlight>
+              </a:rPr>
+              <a:t>Variables: total population, gender, age, race, ethnic groups, </a:t>
+            </a:r>
+          </a:p>
+          <a:p>
+            <a:r>
+              <a:rPr lang="en-US" dirty="0">
+                <a:highlight>
+                  <a:srgbClr val="C0C0C0"/>
+                </a:highlight>
+              </a:rPr>
+              <a:t>% of population who speak language (other than English) at home.</a:t>
+            </a:r>
+          </a:p>
+          <a:p>
+            <a:r>
+              <a:rPr lang="en-US" dirty="0">
+                <a:highlight>
+                  <a:srgbClr val="C0C0C0"/>
+                </a:highlight>
+              </a:rPr>
+              <a:t>Disability, fertility, health insurance details , no of people </a:t>
+            </a:r>
+            <a:r>
+              <a:rPr lang="en-US" dirty="0" err="1">
+                <a:highlight>
+                  <a:srgbClr val="C0C0C0"/>
+                </a:highlight>
+              </a:rPr>
+              <a:t>uemployed</a:t>
+            </a:r>
+            <a:r>
+              <a:rPr lang="en-US" dirty="0">
+                <a:highlight>
+                  <a:srgbClr val="C0C0C0"/>
+                </a:highlight>
+              </a:rPr>
+              <a:t> </a:t>
+            </a:r>
+          </a:p>
+          <a:p>
+            <a:endParaRPr lang="en-US" dirty="0">
+              <a:highlight>
+                <a:srgbClr val="C0C0C0"/>
+              </a:highlight>
+            </a:endParaRPr>
+          </a:p>
+          <a:p>
+            <a:pPr marL="0" indent="0">
+              <a:buNone/>
+            </a:pPr>
+            <a:r>
+              <a:rPr lang="en-US" dirty="0"/>
+              <a:t>Available at: </a:t>
+            </a:r>
+            <a:r>
+              <a:rPr lang="en-US" dirty="0">
                 <a:hlinkClick r:id="rId2"/>
               </a:rPr>
-              <a:t>FACETS: using open data to measure community social determinants of health | Journal of the American Medical Informatics Association | Oxford Academic (oup.com)</a:t>
-            </a:r>
-            <a:br>
-              <a:rPr lang="en-US" sz="2000" dirty="0"/>
-            </a:br>
-            <a:r>
-              <a:rPr lang="en-US" sz="2000" b="0" i="0" dirty="0">
-                <a:solidFill>
-                  <a:srgbClr val="2A2A2A"/>
-                </a:solidFill>
-                <a:effectLst/>
-                <a:latin typeface="Merriweather" panose="00000500000000000000" pitchFamily="2" charset="0"/>
-              </a:rPr>
-              <a:t>Factors Affecting Communities and Enabling Targeted Services</a:t>
-            </a:r>
-            <a:endParaRPr lang="en-US" sz="2000" dirty="0"/>
-          </a:p>
-        </p:txBody>
-      </p:sp>
-      <p:graphicFrame>
-        <p:nvGraphicFramePr>
-          <p:cNvPr id="4" name="Table 3">
-            <a:extLst>
-              <a:ext uri="{FF2B5EF4-FFF2-40B4-BE49-F238E27FC236}">
-                <a16:creationId xmlns:a16="http://schemas.microsoft.com/office/drawing/2014/main" id="{A922CBA8-AA63-CD92-DAEE-CD5D76B919B8}"/>
-              </a:ext>
-            </a:extLst>
-          </p:cNvPr>
-          <p:cNvGraphicFramePr>
-            <a:graphicFrameLocks noGrp="1"/>
-          </p:cNvGraphicFramePr>
-          <p:nvPr>
-            <p:extLst>
-              <p:ext uri="{D42A27DB-BD31-4B8C-83A1-F6EECF244321}">
-                <p14:modId xmlns:p14="http://schemas.microsoft.com/office/powerpoint/2010/main" val="435966736"/>
-              </p:ext>
-            </p:extLst>
-          </p:nvPr>
-        </p:nvGraphicFramePr>
-        <p:xfrm>
-          <a:off x="512618" y="1862513"/>
-          <a:ext cx="9850582" cy="4328160"/>
-        </p:xfrm>
-        <a:graphic>
-          <a:graphicData uri="http://schemas.openxmlformats.org/drawingml/2006/table">
-            <a:tbl>
-              <a:tblPr firstRow="1" bandRow="1">
-                <a:tableStyleId>{5C22544A-7EE6-4342-B048-85BDC9FD1C3A}</a:tableStyleId>
-              </a:tblPr>
-              <a:tblGrid>
-                <a:gridCol w="5284385">
-                  <a:extLst>
-                    <a:ext uri="{9D8B030D-6E8A-4147-A177-3AD203B41FA5}">
-                      <a16:colId xmlns:a16="http://schemas.microsoft.com/office/drawing/2014/main" val="1451485946"/>
-                    </a:ext>
-                  </a:extLst>
-                </a:gridCol>
-                <a:gridCol w="4566197">
-                  <a:extLst>
-                    <a:ext uri="{9D8B030D-6E8A-4147-A177-3AD203B41FA5}">
-                      <a16:colId xmlns:a16="http://schemas.microsoft.com/office/drawing/2014/main" val="4238114473"/>
-                    </a:ext>
-                  </a:extLst>
-                </a:gridCol>
-              </a:tblGrid>
-              <a:tr h="370840">
-                <a:tc>
-                  <a:txBody>
-                    <a:bodyPr/>
-                    <a:lstStyle/>
-                    <a:p>
-                      <a:r>
-                        <a:rPr lang="en-US" dirty="0"/>
-                        <a:t>Item</a:t>
-                      </a:r>
-                    </a:p>
-                  </a:txBody>
-                  <a:tcPr/>
-                </a:tc>
-                <a:tc>
-                  <a:txBody>
-                    <a:bodyPr/>
-                    <a:lstStyle/>
-                    <a:p>
-                      <a:r>
-                        <a:rPr lang="en-US"/>
-                        <a:t>Source</a:t>
-                      </a:r>
-                      <a:endParaRPr lang="en-US" dirty="0"/>
-                    </a:p>
-                  </a:txBody>
-                  <a:tcPr/>
-                </a:tc>
-                <a:extLst>
-                  <a:ext uri="{0D108BD9-81ED-4DB2-BD59-A6C34878D82A}">
-                    <a16:rowId xmlns:a16="http://schemas.microsoft.com/office/drawing/2014/main" val="131277760"/>
-                  </a:ext>
-                </a:extLst>
-              </a:tr>
-              <a:tr h="370840">
-                <a:tc>
-                  <a:txBody>
-                    <a:bodyPr/>
-                    <a:lstStyle/>
-                    <a:p>
-                      <a:r>
-                        <a:rPr lang="en-US" dirty="0"/>
-                        <a:t>FIPS</a:t>
-                      </a:r>
-                    </a:p>
-                  </a:txBody>
-                  <a:tcPr/>
-                </a:tc>
-                <a:tc>
-                  <a:txBody>
-                    <a:bodyPr/>
-                    <a:lstStyle/>
-                    <a:p>
-                      <a:r>
-                        <a:rPr lang="en-US" dirty="0"/>
-                        <a:t>US Census, 11 digit FIPS code for tract</a:t>
-                      </a:r>
-                    </a:p>
-                  </a:txBody>
-                  <a:tcPr/>
-                </a:tc>
-                <a:extLst>
-                  <a:ext uri="{0D108BD9-81ED-4DB2-BD59-A6C34878D82A}">
-                    <a16:rowId xmlns:a16="http://schemas.microsoft.com/office/drawing/2014/main" val="754440566"/>
-                  </a:ext>
-                </a:extLst>
-              </a:tr>
-              <a:tr h="370840">
-                <a:tc>
-                  <a:txBody>
-                    <a:bodyPr/>
-                    <a:lstStyle/>
-                    <a:p>
-                      <a:r>
-                        <a:rPr lang="en-US" dirty="0"/>
-                        <a:t>Total population, % each race/ethnic group, % citizen/non citizen, school going, education level, % poverty, med household income, employment rate, insured/uninsured, </a:t>
-                      </a:r>
-                    </a:p>
-                  </a:txBody>
-                  <a:tcPr/>
-                </a:tc>
-                <a:tc>
-                  <a:txBody>
-                    <a:bodyPr/>
-                    <a:lstStyle/>
-                    <a:p>
-                      <a:r>
-                        <a:rPr lang="en-US" dirty="0"/>
-                        <a:t>ACS</a:t>
-                      </a:r>
-                    </a:p>
-                  </a:txBody>
-                  <a:tcPr/>
-                </a:tc>
-                <a:extLst>
-                  <a:ext uri="{0D108BD9-81ED-4DB2-BD59-A6C34878D82A}">
-                    <a16:rowId xmlns:a16="http://schemas.microsoft.com/office/drawing/2014/main" val="2811476028"/>
-                  </a:ext>
-                </a:extLst>
-              </a:tr>
-              <a:tr h="370840">
-                <a:tc>
-                  <a:txBody>
-                    <a:bodyPr/>
-                    <a:lstStyle/>
-                    <a:p>
-                      <a:r>
-                        <a:rPr lang="en-US" dirty="0"/>
-                        <a:t>Respiratory hazard index</a:t>
-                      </a:r>
-                    </a:p>
-                  </a:txBody>
-                  <a:tcPr/>
-                </a:tc>
-                <a:tc>
-                  <a:txBody>
-                    <a:bodyPr/>
-                    <a:lstStyle/>
-                    <a:p>
-                      <a:r>
-                        <a:rPr lang="en-US" dirty="0"/>
-                        <a:t>EPA National Air Toxics Assessment</a:t>
-                      </a:r>
-                    </a:p>
-                  </a:txBody>
-                  <a:tcPr/>
-                </a:tc>
-                <a:extLst>
-                  <a:ext uri="{0D108BD9-81ED-4DB2-BD59-A6C34878D82A}">
-                    <a16:rowId xmlns:a16="http://schemas.microsoft.com/office/drawing/2014/main" val="4253234781"/>
-                  </a:ext>
-                </a:extLst>
-              </a:tr>
-              <a:tr h="370840">
-                <a:tc>
-                  <a:txBody>
-                    <a:bodyPr/>
-                    <a:lstStyle/>
-                    <a:p>
-                      <a:r>
-                        <a:rPr lang="en-US" dirty="0"/>
-                        <a:t>Low access to healthy food (1/2 mile) </a:t>
-                      </a:r>
-                    </a:p>
-                  </a:txBody>
-                  <a:tcPr/>
-                </a:tc>
-                <a:tc>
-                  <a:txBody>
-                    <a:bodyPr/>
-                    <a:lstStyle/>
-                    <a:p>
-                      <a:r>
-                        <a:rPr lang="en-US" dirty="0"/>
-                        <a:t>USDA Food Access Research Atlas</a:t>
-                      </a:r>
-                    </a:p>
-                  </a:txBody>
-                  <a:tcPr/>
-                </a:tc>
-                <a:extLst>
-                  <a:ext uri="{0D108BD9-81ED-4DB2-BD59-A6C34878D82A}">
-                    <a16:rowId xmlns:a16="http://schemas.microsoft.com/office/drawing/2014/main" val="1401101149"/>
-                  </a:ext>
-                </a:extLst>
-              </a:tr>
-              <a:tr h="370840">
-                <a:tc>
-                  <a:txBody>
-                    <a:bodyPr/>
-                    <a:lstStyle/>
-                    <a:p>
-                      <a:r>
-                        <a:rPr lang="en-US" dirty="0"/>
-                        <a:t>Population-weighted distance to closest 7 parks</a:t>
-                      </a:r>
-                    </a:p>
-                  </a:txBody>
-                  <a:tcPr/>
-                </a:tc>
-                <a:tc>
-                  <a:txBody>
-                    <a:bodyPr/>
-                    <a:lstStyle/>
-                    <a:p>
-                      <a:r>
-                        <a:rPr lang="en-US"/>
-                        <a:t>CDC</a:t>
-                      </a:r>
-                    </a:p>
-                  </a:txBody>
-                  <a:tcPr/>
-                </a:tc>
-                <a:extLst>
-                  <a:ext uri="{0D108BD9-81ED-4DB2-BD59-A6C34878D82A}">
-                    <a16:rowId xmlns:a16="http://schemas.microsoft.com/office/drawing/2014/main" val="2940547330"/>
-                  </a:ext>
-                </a:extLst>
-              </a:tr>
-              <a:tr h="370840">
-                <a:tc>
-                  <a:txBody>
-                    <a:bodyPr/>
-                    <a:lstStyle/>
-                    <a:p>
-                      <a:r>
-                        <a:rPr lang="en-US" dirty="0"/>
-                        <a:t>Neighborhood walkability scale, percentile </a:t>
-                      </a:r>
-                    </a:p>
-                  </a:txBody>
-                  <a:tcPr/>
-                </a:tc>
-                <a:tc>
-                  <a:txBody>
-                    <a:bodyPr/>
-                    <a:lstStyle/>
-                    <a:p>
-                      <a:r>
-                        <a:rPr lang="en-US" dirty="0"/>
-                        <a:t>Rundle- Columbia BEH</a:t>
-                      </a:r>
-                    </a:p>
-                  </a:txBody>
-                  <a:tcPr/>
-                </a:tc>
-                <a:extLst>
-                  <a:ext uri="{0D108BD9-81ED-4DB2-BD59-A6C34878D82A}">
-                    <a16:rowId xmlns:a16="http://schemas.microsoft.com/office/drawing/2014/main" val="3859954422"/>
-                  </a:ext>
-                </a:extLst>
-              </a:tr>
-              <a:tr h="0">
-                <a:tc>
-                  <a:txBody>
-                    <a:bodyPr/>
-                    <a:lstStyle/>
-                    <a:p>
-                      <a:pPr marL="0" marR="0" lvl="0" indent="0" algn="l" defTabSz="914400" rtl="0" eaLnBrk="1" fontAlgn="auto" latinLnBrk="0" hangingPunct="1">
-                        <a:lnSpc>
-                          <a:spcPct val="100000"/>
-                        </a:lnSpc>
-                        <a:spcBef>
-                          <a:spcPts val="0"/>
-                        </a:spcBef>
-                        <a:spcAft>
-                          <a:spcPts val="0"/>
-                        </a:spcAft>
-                        <a:buClrTx/>
-                        <a:buSzTx/>
-                        <a:buFontTx/>
-                        <a:buNone/>
-                        <a:tabLst/>
-                        <a:defRPr/>
-                      </a:pPr>
-                      <a:r>
-                        <a:rPr lang="en-US" sz="1800" u="none" strike="noStrike" dirty="0">
-                          <a:effectLst/>
-                          <a:latin typeface="+mn-lt"/>
-                        </a:rPr>
-                        <a:t>Tobacco retailers/1000 population</a:t>
-                      </a:r>
-                      <a:endParaRPr lang="en-US" sz="1800" b="0" i="0" u="none" strike="noStrike" dirty="0">
-                        <a:solidFill>
-                          <a:srgbClr val="000000"/>
-                        </a:solidFill>
-                        <a:effectLst/>
-                        <a:latin typeface="+mn-lt"/>
-                      </a:endParaRPr>
-                    </a:p>
-                  </a:txBody>
-                  <a:tcPr/>
-                </a:tc>
-                <a:tc>
-                  <a:txBody>
-                    <a:bodyPr/>
-                    <a:lstStyle/>
-                    <a:p>
-                      <a:pPr marL="0" marR="0" lvl="0" indent="0" algn="l" defTabSz="914400" rtl="0" eaLnBrk="1" fontAlgn="auto" latinLnBrk="0" hangingPunct="1">
-                        <a:lnSpc>
-                          <a:spcPct val="100000"/>
-                        </a:lnSpc>
-                        <a:spcBef>
-                          <a:spcPts val="0"/>
-                        </a:spcBef>
-                        <a:spcAft>
-                          <a:spcPts val="0"/>
-                        </a:spcAft>
-                        <a:buClrTx/>
-                        <a:buSzTx/>
-                        <a:buFontTx/>
-                        <a:buNone/>
-                        <a:tabLst/>
-                        <a:defRPr/>
-                      </a:pPr>
-                      <a:r>
-                        <a:rPr lang="en-US" sz="1800" u="none" strike="noStrike" dirty="0">
-                          <a:effectLst/>
-                          <a:latin typeface="+mn-lt"/>
-                        </a:rPr>
-                        <a:t>CA- STATE open data- active tobacco retailers- 600 non-geocoded not added</a:t>
-                      </a:r>
-                      <a:endParaRPr lang="en-US" sz="1800" b="0" i="0" u="none" strike="noStrike" dirty="0">
-                        <a:solidFill>
-                          <a:srgbClr val="000000"/>
-                        </a:solidFill>
-                        <a:effectLst/>
-                        <a:latin typeface="+mn-lt"/>
-                      </a:endParaRPr>
-                    </a:p>
-                    <a:p>
-                      <a:endParaRPr lang="en-US" dirty="0"/>
-                    </a:p>
-                  </a:txBody>
-                  <a:tcPr/>
-                </a:tc>
-                <a:extLst>
-                  <a:ext uri="{0D108BD9-81ED-4DB2-BD59-A6C34878D82A}">
-                    <a16:rowId xmlns:a16="http://schemas.microsoft.com/office/drawing/2014/main" val="3663862582"/>
-                  </a:ext>
-                </a:extLst>
-              </a:tr>
-            </a:tbl>
-          </a:graphicData>
-        </a:graphic>
-      </p:graphicFrame>
+              <a:t>Census Bureau Tables</a:t>
+            </a:r>
+            <a:r>
+              <a:rPr lang="en-US" dirty="0"/>
+              <a:t> (DP05)</a:t>
+            </a:r>
+          </a:p>
+          <a:p>
+            <a:endParaRPr lang="en-US" dirty="0"/>
+          </a:p>
+          <a:p>
+            <a:endParaRPr lang="en-US" dirty="0"/>
+          </a:p>
+          <a:p>
+            <a:endParaRPr lang="en-US" dirty="0"/>
+          </a:p>
+          <a:p>
+            <a:endParaRPr lang="en-US" dirty="0"/>
+          </a:p>
+        </p:txBody>
+      </p:sp>
     </p:spTree>
     <p:extLst>
       <p:ext uri="{BB962C8B-B14F-4D97-AF65-F5344CB8AC3E}">
-        <p14:creationId xmlns:p14="http://schemas.microsoft.com/office/powerpoint/2010/main" val="2040260291"/>
+        <p14:creationId xmlns:p14="http://schemas.microsoft.com/office/powerpoint/2010/main" val="3967886901"/>
       </p:ext>
     </p:extLst>
   </p:cSld>
@@ -3851,7 +3596,7 @@
           <p:cNvPr id="2" name="Title 1">
             <a:extLst>
               <a:ext uri="{FF2B5EF4-FFF2-40B4-BE49-F238E27FC236}">
-                <a16:creationId xmlns:a16="http://schemas.microsoft.com/office/drawing/2014/main" id="{386F943C-CD1D-EA28-EAA0-264730155965}"/>
+                <a16:creationId xmlns:a16="http://schemas.microsoft.com/office/drawing/2014/main" id="{EFFF7B05-8796-A850-303F-033EB5EFF34C}"/>
               </a:ext>
             </a:extLst>
           </p:cNvPr>
@@ -3860,6 +3605,34 @@
           </p:cNvSpPr>
           <p:nvPr>
             <p:ph type="title"/>
+          </p:nvPr>
+        </p:nvSpPr>
+        <p:spPr/>
+        <p:txBody>
+          <a:bodyPr/>
+          <a:lstStyle/>
+          <a:p>
+            <a:r>
+              <a:rPr lang="en-US" dirty="0"/>
+              <a:t>EPA datasets </a:t>
+            </a:r>
+          </a:p>
+        </p:txBody>
+      </p:sp>
+      <p:sp>
+        <p:nvSpPr>
+          <p:cNvPr id="3" name="Content Placeholder 2">
+            <a:extLst>
+              <a:ext uri="{FF2B5EF4-FFF2-40B4-BE49-F238E27FC236}">
+                <a16:creationId xmlns:a16="http://schemas.microsoft.com/office/drawing/2014/main" id="{6D01DBF2-8C10-B8E7-904A-C2E50E97FEB8}"/>
+              </a:ext>
+            </a:extLst>
+          </p:cNvPr>
+          <p:cNvSpPr>
+            <a:spLocks noGrp="1"/>
+          </p:cNvSpPr>
+          <p:nvPr>
+            <p:ph idx="1"/>
           </p:nvPr>
         </p:nvSpPr>
         <p:spPr/>
@@ -3871,492 +3644,75 @@
           <a:p>
             <a:r>
               <a:rPr lang="en-US" dirty="0"/>
-              <a:t>Reference: FACETS </a:t>
-            </a:r>
-            <a:br>
+              <a:t>Environmental protection agency, air quality , year 2020</a:t>
+            </a:r>
+          </a:p>
+          <a:p>
+            <a:r>
               <a:rPr lang="en-US" dirty="0"/>
-            </a:br>
-            <a:r>
-              <a:rPr lang="en-US" sz="1800" b="0" i="0" dirty="0">
-                <a:solidFill>
-                  <a:srgbClr val="2A2A2A"/>
-                </a:solidFill>
-                <a:effectLst/>
-                <a:latin typeface="Merriweather" panose="00000500000000000000" pitchFamily="2" charset="0"/>
+              <a:t>Geographical location: CA, census tract level, FIPS </a:t>
+            </a:r>
+          </a:p>
+          <a:p>
+            <a:r>
+              <a:rPr lang="en-US" dirty="0"/>
+              <a:t>Available at: </a:t>
+            </a:r>
+            <a:r>
+              <a:rPr lang="en-US" dirty="0">
+                <a:hlinkClick r:id="rId2"/>
               </a:rPr>
-              <a:t>Factors Affecting Communities and Enabling Targeted Services</a:t>
-            </a:r>
-            <a:endParaRPr lang="en-US" sz="1800" dirty="0"/>
-          </a:p>
-        </p:txBody>
-      </p:sp>
-      <p:graphicFrame>
-        <p:nvGraphicFramePr>
-          <p:cNvPr id="4" name="Table 3">
-            <a:extLst>
-              <a:ext uri="{FF2B5EF4-FFF2-40B4-BE49-F238E27FC236}">
-                <a16:creationId xmlns:a16="http://schemas.microsoft.com/office/drawing/2014/main" id="{A922CBA8-AA63-CD92-DAEE-CD5D76B919B8}"/>
-              </a:ext>
-            </a:extLst>
-          </p:cNvPr>
-          <p:cNvGraphicFramePr>
-            <a:graphicFrameLocks noGrp="1"/>
-          </p:cNvGraphicFramePr>
-          <p:nvPr>
-            <p:extLst>
-              <p:ext uri="{D42A27DB-BD31-4B8C-83A1-F6EECF244321}">
-                <p14:modId xmlns:p14="http://schemas.microsoft.com/office/powerpoint/2010/main" val="3449472105"/>
-              </p:ext>
-            </p:extLst>
-          </p:nvPr>
-        </p:nvGraphicFramePr>
-        <p:xfrm>
-          <a:off x="512618" y="1862513"/>
-          <a:ext cx="9850582" cy="3500120"/>
-        </p:xfrm>
-        <a:graphic>
-          <a:graphicData uri="http://schemas.openxmlformats.org/drawingml/2006/table">
-            <a:tbl>
-              <a:tblPr firstRow="1" bandRow="1">
-                <a:tableStyleId>{5C22544A-7EE6-4342-B048-85BDC9FD1C3A}</a:tableStyleId>
-              </a:tblPr>
-              <a:tblGrid>
-                <a:gridCol w="5284385">
-                  <a:extLst>
-                    <a:ext uri="{9D8B030D-6E8A-4147-A177-3AD203B41FA5}">
-                      <a16:colId xmlns:a16="http://schemas.microsoft.com/office/drawing/2014/main" val="1451485946"/>
-                    </a:ext>
-                  </a:extLst>
-                </a:gridCol>
-                <a:gridCol w="4566197">
-                  <a:extLst>
-                    <a:ext uri="{9D8B030D-6E8A-4147-A177-3AD203B41FA5}">
-                      <a16:colId xmlns:a16="http://schemas.microsoft.com/office/drawing/2014/main" val="4238114473"/>
-                    </a:ext>
-                  </a:extLst>
-                </a:gridCol>
-              </a:tblGrid>
-              <a:tr h="370840">
-                <a:tc>
-                  <a:txBody>
-                    <a:bodyPr/>
-                    <a:lstStyle/>
-                    <a:p>
-                      <a:r>
-                        <a:rPr lang="en-US" dirty="0"/>
-                        <a:t>Item</a:t>
-                      </a:r>
-                    </a:p>
-                  </a:txBody>
-                  <a:tcPr/>
-                </a:tc>
-                <a:tc>
-                  <a:txBody>
-                    <a:bodyPr/>
-                    <a:lstStyle/>
-                    <a:p>
-                      <a:r>
-                        <a:rPr lang="en-US" dirty="0"/>
-                        <a:t>Source</a:t>
-                      </a:r>
-                    </a:p>
-                  </a:txBody>
-                  <a:tcPr/>
-                </a:tc>
-                <a:extLst>
-                  <a:ext uri="{0D108BD9-81ED-4DB2-BD59-A6C34878D82A}">
-                    <a16:rowId xmlns:a16="http://schemas.microsoft.com/office/drawing/2014/main" val="131277760"/>
-                  </a:ext>
-                </a:extLst>
-              </a:tr>
-              <a:tr h="370840">
-                <a:tc>
-                  <a:txBody>
-                    <a:bodyPr/>
-                    <a:lstStyle/>
-                    <a:p>
-                      <a:pPr marL="0" marR="0" lvl="0" indent="0" algn="l" defTabSz="914400" rtl="0" eaLnBrk="1" fontAlgn="auto" latinLnBrk="0" hangingPunct="1">
-                        <a:lnSpc>
-                          <a:spcPct val="100000"/>
-                        </a:lnSpc>
-                        <a:spcBef>
-                          <a:spcPts val="0"/>
-                        </a:spcBef>
-                        <a:spcAft>
-                          <a:spcPts val="0"/>
-                        </a:spcAft>
-                        <a:buClrTx/>
-                        <a:buSzTx/>
-                        <a:buFontTx/>
-                        <a:buNone/>
-                        <a:tabLst/>
-                        <a:defRPr/>
-                      </a:pPr>
-                      <a:r>
-                        <a:rPr lang="en-US" sz="1800" u="none" strike="noStrike" dirty="0">
-                          <a:effectLst/>
-                          <a:latin typeface="+mn-lt"/>
-                        </a:rPr>
-                        <a:t>GINI inequality index</a:t>
-                      </a:r>
-                      <a:endParaRPr lang="en-US" sz="1800" b="0" i="0" u="none" strike="noStrike" dirty="0">
-                        <a:solidFill>
-                          <a:srgbClr val="000000"/>
-                        </a:solidFill>
-                        <a:effectLst/>
-                        <a:latin typeface="+mn-lt"/>
-                      </a:endParaRPr>
-                    </a:p>
-                  </a:txBody>
-                  <a:tcPr/>
-                </a:tc>
-                <a:tc>
-                  <a:txBody>
-                    <a:bodyPr/>
-                    <a:lstStyle/>
-                    <a:p>
-                      <a:r>
-                        <a:rPr lang="en-US" dirty="0"/>
-                        <a:t>US Census</a:t>
-                      </a:r>
-                    </a:p>
-                  </a:txBody>
-                  <a:tcPr/>
-                </a:tc>
-                <a:extLst>
-                  <a:ext uri="{0D108BD9-81ED-4DB2-BD59-A6C34878D82A}">
-                    <a16:rowId xmlns:a16="http://schemas.microsoft.com/office/drawing/2014/main" val="754440566"/>
-                  </a:ext>
-                </a:extLst>
-              </a:tr>
-              <a:tr h="370840">
-                <a:tc>
-                  <a:txBody>
-                    <a:bodyPr/>
-                    <a:lstStyle/>
-                    <a:p>
-                      <a:pPr algn="l" fontAlgn="b"/>
-                      <a:r>
-                        <a:rPr lang="en-US" sz="1800" u="none" strike="noStrike" dirty="0">
-                          <a:effectLst/>
-                          <a:latin typeface="+mn-lt"/>
-                        </a:rPr>
-                        <a:t># of 7 serious crimes /1000 population</a:t>
-                      </a:r>
-                      <a:endParaRPr lang="en-US" sz="1800" b="0" i="0" u="none" strike="noStrike" dirty="0">
-                        <a:solidFill>
-                          <a:srgbClr val="000000"/>
-                        </a:solidFill>
-                        <a:effectLst/>
-                        <a:latin typeface="+mn-lt"/>
-                      </a:endParaRPr>
-                    </a:p>
-                  </a:txBody>
-                  <a:tcPr/>
-                </a:tc>
-                <a:tc>
-                  <a:txBody>
-                    <a:bodyPr/>
-                    <a:lstStyle/>
-                    <a:p>
-                      <a:pPr algn="l" fontAlgn="b"/>
-                      <a:r>
-                        <a:rPr lang="en-US" sz="1800" u="none" strike="noStrike" dirty="0">
-                          <a:effectLst/>
-                          <a:latin typeface="+mn-lt"/>
-                        </a:rPr>
-                        <a:t>State-CA open data </a:t>
-                      </a:r>
-                      <a:r>
-                        <a:rPr lang="en-US" sz="1800" u="none" strike="noStrike" dirty="0" err="1">
-                          <a:effectLst/>
-                          <a:latin typeface="+mn-lt"/>
-                        </a:rPr>
-                        <a:t>nypd</a:t>
-                      </a:r>
-                      <a:r>
-                        <a:rPr lang="en-US" sz="1800" u="none" strike="noStrike" dirty="0">
-                          <a:effectLst/>
-                          <a:latin typeface="+mn-lt"/>
-                        </a:rPr>
-                        <a:t> 7 major felony incidents geocoded</a:t>
-                      </a:r>
-                      <a:endParaRPr lang="en-US" sz="1800" b="0" i="0" u="none" strike="noStrike" dirty="0">
-                        <a:solidFill>
-                          <a:srgbClr val="000000"/>
-                        </a:solidFill>
-                        <a:effectLst/>
-                        <a:latin typeface="+mn-lt"/>
-                      </a:endParaRPr>
-                    </a:p>
-                  </a:txBody>
-                  <a:tcPr/>
-                </a:tc>
-                <a:extLst>
-                  <a:ext uri="{0D108BD9-81ED-4DB2-BD59-A6C34878D82A}">
-                    <a16:rowId xmlns:a16="http://schemas.microsoft.com/office/drawing/2014/main" val="2811476028"/>
-                  </a:ext>
-                </a:extLst>
-              </a:tr>
-              <a:tr h="370840">
-                <a:tc>
-                  <a:txBody>
-                    <a:bodyPr/>
-                    <a:lstStyle/>
-                    <a:p>
-                      <a:pPr marL="0" marR="0" lvl="0" indent="0" algn="l" defTabSz="914400" rtl="0" eaLnBrk="1" fontAlgn="auto" latinLnBrk="0" hangingPunct="1">
-                        <a:lnSpc>
-                          <a:spcPct val="100000"/>
-                        </a:lnSpc>
-                        <a:spcBef>
-                          <a:spcPts val="0"/>
-                        </a:spcBef>
-                        <a:spcAft>
-                          <a:spcPts val="0"/>
-                        </a:spcAft>
-                        <a:buClrTx/>
-                        <a:buSzTx/>
-                        <a:buFontTx/>
-                        <a:buNone/>
-                        <a:tabLst/>
-                        <a:defRPr/>
-                      </a:pPr>
-                      <a:r>
-                        <a:rPr lang="en-US" sz="1800" u="none" strike="noStrike" dirty="0">
-                          <a:effectLst/>
-                          <a:latin typeface="+mn-lt"/>
-                        </a:rPr>
-                        <a:t>Social Vulnerability index- total themes percentile- higher is more vulnerable</a:t>
-                      </a:r>
-                      <a:endParaRPr lang="en-US" sz="1800" b="0" i="0" u="none" strike="noStrike" dirty="0">
-                        <a:solidFill>
-                          <a:srgbClr val="000000"/>
-                        </a:solidFill>
-                        <a:effectLst/>
-                        <a:latin typeface="+mn-lt"/>
-                      </a:endParaRPr>
-                    </a:p>
-                  </a:txBody>
-                  <a:tcPr/>
-                </a:tc>
-                <a:tc>
-                  <a:txBody>
-                    <a:bodyPr/>
-                    <a:lstStyle/>
-                    <a:p>
-                      <a:r>
-                        <a:rPr lang="en-US" dirty="0"/>
-                        <a:t>CDC SVI</a:t>
-                      </a:r>
-                    </a:p>
-                  </a:txBody>
-                  <a:tcPr/>
-                </a:tc>
-                <a:extLst>
-                  <a:ext uri="{0D108BD9-81ED-4DB2-BD59-A6C34878D82A}">
-                    <a16:rowId xmlns:a16="http://schemas.microsoft.com/office/drawing/2014/main" val="4253234781"/>
-                  </a:ext>
-                </a:extLst>
-              </a:tr>
-              <a:tr h="370840">
-                <a:tc>
-                  <a:txBody>
-                    <a:bodyPr/>
-                    <a:lstStyle/>
-                    <a:p>
-                      <a:pPr marL="0" marR="0" lvl="0" indent="0" algn="l" defTabSz="914400" rtl="0" eaLnBrk="1" fontAlgn="auto" latinLnBrk="0" hangingPunct="1">
-                        <a:lnSpc>
-                          <a:spcPct val="100000"/>
-                        </a:lnSpc>
-                        <a:spcBef>
-                          <a:spcPts val="0"/>
-                        </a:spcBef>
-                        <a:spcAft>
-                          <a:spcPts val="0"/>
-                        </a:spcAft>
-                        <a:buClrTx/>
-                        <a:buSzTx/>
-                        <a:buFontTx/>
-                        <a:buNone/>
-                        <a:tabLst/>
-                        <a:defRPr/>
-                      </a:pPr>
-                      <a:r>
-                        <a:rPr lang="en-US" sz="1800" u="none" strike="noStrike" dirty="0">
-                          <a:effectLst/>
-                          <a:latin typeface="+mn-lt"/>
-                        </a:rPr>
-                        <a:t>Housing violations per 1000 rental units </a:t>
-                      </a:r>
-                      <a:endParaRPr lang="en-US" sz="1800" b="0" i="0" u="none" strike="noStrike" dirty="0">
-                        <a:solidFill>
-                          <a:srgbClr val="000000"/>
-                        </a:solidFill>
-                        <a:effectLst/>
-                        <a:latin typeface="+mn-lt"/>
-                      </a:endParaRPr>
-                    </a:p>
-                  </a:txBody>
-                  <a:tcPr/>
-                </a:tc>
-                <a:tc>
-                  <a:txBody>
-                    <a:bodyPr/>
-                    <a:lstStyle/>
-                    <a:p>
-                      <a:pPr marL="0" marR="0" lvl="0" indent="0" algn="l" defTabSz="914400" rtl="0" eaLnBrk="1" fontAlgn="auto" latinLnBrk="0" hangingPunct="1">
-                        <a:lnSpc>
-                          <a:spcPct val="100000"/>
-                        </a:lnSpc>
-                        <a:spcBef>
-                          <a:spcPts val="0"/>
-                        </a:spcBef>
-                        <a:spcAft>
-                          <a:spcPts val="0"/>
-                        </a:spcAft>
-                        <a:buClrTx/>
-                        <a:buSzTx/>
-                        <a:buFontTx/>
-                        <a:buNone/>
-                        <a:tabLst/>
-                        <a:defRPr/>
-                      </a:pPr>
-                      <a:r>
-                        <a:rPr lang="en-US" sz="1800" u="none" strike="noStrike" dirty="0">
-                          <a:effectLst/>
-                          <a:latin typeface="+mn-lt"/>
-                        </a:rPr>
-                        <a:t>Furman center converted to 2010 tracts</a:t>
-                      </a:r>
-                      <a:endParaRPr lang="en-US" sz="1800" b="0" i="0" u="none" strike="noStrike" dirty="0">
-                        <a:solidFill>
-                          <a:srgbClr val="000000"/>
-                        </a:solidFill>
-                        <a:effectLst/>
-                        <a:latin typeface="+mn-lt"/>
-                      </a:endParaRPr>
-                    </a:p>
-                  </a:txBody>
-                  <a:tcPr/>
-                </a:tc>
-                <a:extLst>
-                  <a:ext uri="{0D108BD9-81ED-4DB2-BD59-A6C34878D82A}">
-                    <a16:rowId xmlns:a16="http://schemas.microsoft.com/office/drawing/2014/main" val="1401101149"/>
-                  </a:ext>
-                </a:extLst>
-              </a:tr>
-              <a:tr h="370840">
-                <a:tc>
-                  <a:txBody>
-                    <a:bodyPr/>
-                    <a:lstStyle/>
-                    <a:p>
-                      <a:endParaRPr lang="en-US" dirty="0"/>
-                    </a:p>
-                  </a:txBody>
-                  <a:tcPr/>
-                </a:tc>
-                <a:tc>
-                  <a:txBody>
-                    <a:bodyPr/>
-                    <a:lstStyle/>
-                    <a:p>
-                      <a:endParaRPr lang="en-US" dirty="0"/>
-                    </a:p>
-                  </a:txBody>
-                  <a:tcPr/>
-                </a:tc>
-                <a:extLst>
-                  <a:ext uri="{0D108BD9-81ED-4DB2-BD59-A6C34878D82A}">
-                    <a16:rowId xmlns:a16="http://schemas.microsoft.com/office/drawing/2014/main" val="2940547330"/>
-                  </a:ext>
-                </a:extLst>
-              </a:tr>
-              <a:tr h="370840">
-                <a:tc>
-                  <a:txBody>
-                    <a:bodyPr/>
-                    <a:lstStyle/>
-                    <a:p>
-                      <a:endParaRPr lang="en-US" dirty="0"/>
-                    </a:p>
-                  </a:txBody>
-                  <a:tcPr/>
-                </a:tc>
-                <a:tc>
-                  <a:txBody>
-                    <a:bodyPr/>
-                    <a:lstStyle/>
-                    <a:p>
-                      <a:endParaRPr lang="en-US" dirty="0"/>
-                    </a:p>
-                  </a:txBody>
-                  <a:tcPr/>
-                </a:tc>
-                <a:extLst>
-                  <a:ext uri="{0D108BD9-81ED-4DB2-BD59-A6C34878D82A}">
-                    <a16:rowId xmlns:a16="http://schemas.microsoft.com/office/drawing/2014/main" val="3859954422"/>
-                  </a:ext>
-                </a:extLst>
-              </a:tr>
-              <a:tr h="0">
-                <a:tc>
-                  <a:txBody>
-                    <a:bodyPr/>
-                    <a:lstStyle/>
-                    <a:p>
-                      <a:pPr marL="0" marR="0" lvl="0" indent="0" algn="l" defTabSz="914400" rtl="0" eaLnBrk="1" fontAlgn="auto" latinLnBrk="0" hangingPunct="1">
-                        <a:lnSpc>
-                          <a:spcPct val="100000"/>
-                        </a:lnSpc>
-                        <a:spcBef>
-                          <a:spcPts val="0"/>
-                        </a:spcBef>
-                        <a:spcAft>
-                          <a:spcPts val="0"/>
-                        </a:spcAft>
-                        <a:buClrTx/>
-                        <a:buSzTx/>
-                        <a:buFontTx/>
-                        <a:buNone/>
-                        <a:tabLst/>
-                        <a:defRPr/>
-                      </a:pPr>
-                      <a:endParaRPr lang="en-US" sz="1800" b="0" i="0" u="none" strike="noStrike" dirty="0">
-                        <a:solidFill>
-                          <a:srgbClr val="000000"/>
-                        </a:solidFill>
-                        <a:effectLst/>
-                        <a:latin typeface="+mn-lt"/>
-                      </a:endParaRPr>
-                    </a:p>
-                  </a:txBody>
-                  <a:tcPr/>
-                </a:tc>
-                <a:tc>
-                  <a:txBody>
-                    <a:bodyPr/>
-                    <a:lstStyle/>
-                    <a:p>
-                      <a:endParaRPr lang="en-US" dirty="0"/>
-                    </a:p>
-                  </a:txBody>
-                  <a:tcPr/>
-                </a:tc>
-                <a:extLst>
-                  <a:ext uri="{0D108BD9-81ED-4DB2-BD59-A6C34878D82A}">
-                    <a16:rowId xmlns:a16="http://schemas.microsoft.com/office/drawing/2014/main" val="3663862582"/>
-                  </a:ext>
-                </a:extLst>
-              </a:tr>
-            </a:tbl>
-          </a:graphicData>
-        </a:graphic>
-      </p:graphicFrame>
+              <a:t>Download </a:t>
+            </a:r>
+            <a:r>
+              <a:rPr lang="en-US" dirty="0" err="1">
+                <a:hlinkClick r:id="rId2"/>
+              </a:rPr>
+              <a:t>EJScreen</a:t>
+            </a:r>
+            <a:r>
+              <a:rPr lang="en-US" dirty="0">
+                <a:hlinkClick r:id="rId2"/>
+              </a:rPr>
+              <a:t> Data | US EPA</a:t>
+            </a:r>
+            <a:r>
+              <a:rPr lang="en-US" dirty="0"/>
+              <a:t> </a:t>
+            </a:r>
+          </a:p>
+          <a:p>
+            <a:r>
+              <a:rPr lang="en-US" dirty="0">
+                <a:highlight>
+                  <a:srgbClr val="C0C0C0"/>
+                </a:highlight>
+              </a:rPr>
+              <a:t>Variables: PM5 concentration (inhalable particulate matter), ozone level in air, and other variables related to air quality , cancer risk  </a:t>
+            </a:r>
+            <a:r>
+              <a:rPr lang="en-US" dirty="0" err="1">
+                <a:highlight>
+                  <a:srgbClr val="C0C0C0"/>
+                </a:highlight>
+              </a:rPr>
+              <a:t>etc</a:t>
+            </a:r>
+            <a:r>
+              <a:rPr lang="en-US" dirty="0">
+                <a:highlight>
+                  <a:srgbClr val="C0C0C0"/>
+                </a:highlight>
+              </a:rPr>
+              <a:t> are included </a:t>
+            </a:r>
+          </a:p>
+        </p:txBody>
+      </p:sp>
     </p:spTree>
     <p:extLst>
       <p:ext uri="{BB962C8B-B14F-4D97-AF65-F5344CB8AC3E}">
-        <p14:creationId xmlns:p14="http://schemas.microsoft.com/office/powerpoint/2010/main" val="2542083155"/>
+        <p14:creationId xmlns:p14="http://schemas.microsoft.com/office/powerpoint/2010/main" val="2284873954"/>
       </p:ext>
     </p:extLst>
   </p:cSld>
@@ -4407,17 +3763,6 @@
           <a:lstStyle/>
           <a:p>
             <a:r>
-              <a:rPr lang="en-US" sz="4000" dirty="0">
-                <a:latin typeface="+mn-lt"/>
-              </a:rPr>
-              <a:t>Dataset collection: </a:t>
-            </a:r>
-            <a:br>
-              <a:rPr lang="en-US" sz="4000" dirty="0">
-                <a:latin typeface="+mn-lt"/>
-              </a:rPr>
-            </a:br>
-            <a:r>
               <a:rPr lang="en-US" sz="2000" dirty="0">
                 <a:latin typeface="+mn-lt"/>
               </a:rPr>
@@ -4452,37 +3797,21 @@
             <p:ph idx="1"/>
           </p:nvPr>
         </p:nvSpPr>
-        <p:spPr/>
-        <p:txBody>
-          <a:bodyPr/>
-          <a:lstStyle/>
-          <a:p>
-            <a:r>
-              <a:rPr lang="en-US" dirty="0">
-                <a:hlinkClick r:id="rId2"/>
-              </a:rPr>
-              <a:t>National Environmental Public Health Tracking Network Data Explorer (cdc.gov)</a:t>
-            </a:r>
-            <a:r>
-              <a:rPr lang="en-US" dirty="0"/>
-              <a:t> </a:t>
-            </a:r>
-          </a:p>
+        <p:spPr>
+          <a:xfrm>
+            <a:off x="838200" y="1839480"/>
+            <a:ext cx="10515600" cy="4351338"/>
+          </a:xfrm>
+        </p:spPr>
+        <p:txBody>
+          <a:bodyPr>
+            <a:normAutofit/>
+          </a:bodyPr>
+          <a:lstStyle/>
           <a:p>
             <a:r>
               <a:rPr lang="en-US" dirty="0"/>
               <a:t>SDOH Factors :</a:t>
-            </a:r>
-          </a:p>
-          <a:p>
-            <a:pPr lvl="1"/>
-            <a:r>
-              <a:rPr lang="en-US" dirty="0">
-                <a:highlight>
-                  <a:srgbClr val="FFFF00"/>
-                </a:highlight>
-              </a:rPr>
-              <a:t>Life risk factors: crude prevalence, adults &gt;= 18 years, CA state, all census tract, 2020</a:t>
             </a:r>
           </a:p>
           <a:p>
@@ -4491,49 +3820,25 @@
               <a:buChar char="ü"/>
             </a:pPr>
             <a:r>
-              <a:rPr lang="en-US" dirty="0"/>
-              <a:t>Alcohol use: prevalence of binge drinking </a:t>
-            </a:r>
-          </a:p>
-          <a:p>
-            <a:pPr lvl="1">
-              <a:buFont typeface="Wingdings" panose="05000000000000000000" pitchFamily="2" charset="2"/>
-              <a:buChar char="ü"/>
-            </a:pPr>
-            <a:r>
-              <a:rPr lang="en-US" dirty="0"/>
-              <a:t>Overweight &amp; obesity: crude prevalence of obesity </a:t>
-            </a:r>
-          </a:p>
-          <a:p>
-            <a:pPr lvl="1">
-              <a:buFont typeface="Wingdings" panose="05000000000000000000" pitchFamily="2" charset="2"/>
-              <a:buChar char="ü"/>
-            </a:pPr>
-            <a:r>
-              <a:rPr lang="en-US" dirty="0"/>
-              <a:t>Physical activity: no leisure time for physical activity</a:t>
-            </a:r>
-          </a:p>
-          <a:p>
-            <a:pPr lvl="1">
-              <a:buFont typeface="Wingdings" panose="05000000000000000000" pitchFamily="2" charset="2"/>
-              <a:buChar char="ü"/>
-            </a:pPr>
-            <a:r>
-              <a:rPr lang="en-US" dirty="0"/>
-              <a:t>Sleep: less than 7 hours </a:t>
-            </a:r>
-          </a:p>
-          <a:p>
-            <a:pPr lvl="1">
-              <a:buFont typeface="Wingdings" panose="05000000000000000000" pitchFamily="2" charset="2"/>
-              <a:buChar char="ü"/>
-            </a:pPr>
-            <a:r>
-              <a:rPr lang="en-US" dirty="0"/>
-              <a:t>Smoking: prevalence of current smoking</a:t>
-            </a:r>
+              <a:rPr lang="en-US" dirty="0">
+                <a:highlight>
+                  <a:srgbClr val="C0C0C0"/>
+                </a:highlight>
+              </a:rPr>
+              <a:t>Access to parks within 1 or ½ mile distance </a:t>
+            </a:r>
+          </a:p>
+          <a:p>
+            <a:pPr lvl="1"/>
+            <a:endParaRPr lang="en-US" dirty="0"/>
+          </a:p>
+          <a:p>
+            <a:pPr lvl="1"/>
+            <a:endParaRPr lang="en-US" dirty="0"/>
+          </a:p>
+          <a:p>
+            <a:pPr lvl="1"/>
+            <a:endParaRPr lang="en-US" dirty="0"/>
           </a:p>
           <a:p>
             <a:pPr lvl="1"/>
@@ -4548,7 +3853,7 @@
     </p:spTree>
     <p:extLst>
       <p:ext uri="{BB962C8B-B14F-4D97-AF65-F5344CB8AC3E}">
-        <p14:creationId xmlns:p14="http://schemas.microsoft.com/office/powerpoint/2010/main" val="2063966242"/>
+        <p14:creationId xmlns:p14="http://schemas.microsoft.com/office/powerpoint/2010/main" val="1752868213"/>
       </p:ext>
     </p:extLst>
   </p:cSld>
@@ -4644,17 +3949,22 @@
             <p:ph idx="1"/>
           </p:nvPr>
         </p:nvSpPr>
-        <p:spPr>
-          <a:xfrm>
-            <a:off x="838200" y="1839480"/>
-            <a:ext cx="10515600" cy="4351338"/>
-          </a:xfrm>
-        </p:spPr>
-        <p:txBody>
-          <a:bodyPr>
-            <a:normAutofit lnSpcReduction="10000"/>
-          </a:bodyPr>
-          <a:lstStyle/>
+        <p:spPr/>
+        <p:txBody>
+          <a:bodyPr/>
+          <a:lstStyle/>
+          <a:p>
+            <a:r>
+              <a:rPr lang="en-US" dirty="0">
+                <a:hlinkClick r:id="rId2"/>
+              </a:rPr>
+              <a:t>National Environmental Public Health Tracking Network Data Explorer (cdc.gov)</a:t>
+            </a:r>
+            <a:r>
+              <a:rPr lang="en-US" dirty="0"/>
+              <a:t> </a:t>
+            </a:r>
+          </a:p>
           <a:p>
             <a:r>
               <a:rPr lang="en-US" dirty="0"/>
@@ -4664,12 +3974,8 @@
           <a:p>
             <a:pPr lvl="1"/>
             <a:r>
-              <a:rPr lang="en-US" dirty="0">
-                <a:highlight>
-                  <a:srgbClr val="FFFF00"/>
-                </a:highlight>
-              </a:rPr>
-              <a:t>Community design: CA state, all census tract, 2020</a:t>
+              <a:rPr lang="en-US" dirty="0"/>
+              <a:t>Life risk factors: crude prevalence, adults &gt;= 18 years, CA state, all census tract, 2020</a:t>
             </a:r>
           </a:p>
           <a:p>
@@ -4678,23 +3984,12 @@
               <a:buChar char="ü"/>
             </a:pPr>
             <a:r>
-              <a:rPr lang="en-US" dirty="0"/>
-              <a:t>Access to parks within 1 or ½ mile distance </a:t>
-            </a:r>
-          </a:p>
-          <a:p>
-            <a:pPr lvl="1"/>
-            <a:endParaRPr lang="en-US" dirty="0"/>
-          </a:p>
-          <a:p>
-            <a:pPr lvl="1"/>
-            <a:r>
               <a:rPr lang="en-US" dirty="0">
                 <a:highlight>
-                  <a:srgbClr val="FFFF00"/>
+                  <a:srgbClr val="C0C0C0"/>
                 </a:highlight>
               </a:rPr>
-              <a:t>COVID demographics: CA state, all census tract, 2020</a:t>
+              <a:t>Alcohol use: prevalence of binge drinking </a:t>
             </a:r>
           </a:p>
           <a:p>
@@ -4703,38 +3998,12 @@
               <a:buChar char="ü"/>
             </a:pPr>
             <a:r>
-              <a:rPr lang="en-US" dirty="0"/>
-              <a:t>Percent of population by COVID demographics</a:t>
-            </a:r>
-          </a:p>
-          <a:p>
-            <a:pPr lvl="1"/>
-            <a:endParaRPr lang="en-US" dirty="0"/>
-          </a:p>
-          <a:p>
-            <a:pPr lvl="1"/>
-            <a:r>
               <a:rPr lang="en-US" dirty="0">
                 <a:highlight>
-                  <a:srgbClr val="FFFF00"/>
+                  <a:srgbClr val="C0C0C0"/>
                 </a:highlight>
               </a:rPr>
-              <a:t>populations and vulnerabilities</a:t>
-            </a:r>
-          </a:p>
-          <a:p>
-            <a:pPr lvl="1"/>
-            <a:r>
-              <a:rPr lang="en-US" dirty="0">
-                <a:highlight>
-                  <a:srgbClr val="FFFF00"/>
-                </a:highlight>
-              </a:rPr>
-              <a:t>Demographics</a:t>
-            </a:r>
-            <a:r>
-              <a:rPr lang="en-US" dirty="0"/>
-              <a:t>:</a:t>
+              <a:t>Overweight &amp; obesity: crude prevalence of obesity </a:t>
             </a:r>
           </a:p>
           <a:p>
@@ -4743,8 +4012,12 @@
               <a:buChar char="ü"/>
             </a:pPr>
             <a:r>
-              <a:rPr lang="en-US" dirty="0"/>
-              <a:t>% of population &gt;= 5 years that speak English less than very well. </a:t>
+              <a:rPr lang="en-US" dirty="0">
+                <a:highlight>
+                  <a:srgbClr val="C0C0C0"/>
+                </a:highlight>
+              </a:rPr>
+              <a:t>Physical activity: no leisure time for physical activity</a:t>
             </a:r>
           </a:p>
           <a:p>
@@ -4753,13 +4026,27 @@
               <a:buChar char="ü"/>
             </a:pPr>
             <a:r>
-              <a:rPr lang="en-US" dirty="0"/>
-              <a:t>% of population with single parent household </a:t>
-            </a:r>
-          </a:p>
-          <a:p>
-            <a:pPr lvl="1"/>
-            <a:endParaRPr lang="en-US" dirty="0"/>
+              <a:rPr lang="en-US" dirty="0">
+                <a:highlight>
+                  <a:srgbClr val="C0C0C0"/>
+                </a:highlight>
+              </a:rPr>
+              <a:t>Sleep: less than 7 hours </a:t>
+            </a:r>
+          </a:p>
+          <a:p>
+            <a:pPr lvl="1">
+              <a:buFont typeface="Wingdings" panose="05000000000000000000" pitchFamily="2" charset="2"/>
+              <a:buChar char="ü"/>
+            </a:pPr>
+            <a:r>
+              <a:rPr lang="en-US" dirty="0">
+                <a:highlight>
+                  <a:srgbClr val="C0C0C0"/>
+                </a:highlight>
+              </a:rPr>
+              <a:t>Smoking: prevalence of current smoking</a:t>
+            </a:r>
           </a:p>
           <a:p>
             <a:pPr lvl="1"/>
@@ -4774,7 +4061,7 @@
     </p:spTree>
     <p:extLst>
       <p:ext uri="{BB962C8B-B14F-4D97-AF65-F5344CB8AC3E}">
-        <p14:creationId xmlns:p14="http://schemas.microsoft.com/office/powerpoint/2010/main" val="1752868213"/>
+        <p14:creationId xmlns:p14="http://schemas.microsoft.com/office/powerpoint/2010/main" val="2063966242"/>
       </p:ext>
     </p:extLst>
   </p:cSld>
@@ -4883,35 +4170,28 @@
             </a:r>
           </a:p>
           <a:p>
-            <a:pPr lvl="1"/>
-            <a:r>
-              <a:rPr lang="en-US" dirty="0">
-                <a:highlight>
-                  <a:srgbClr val="FFFF00"/>
-                </a:highlight>
-              </a:rPr>
-              <a:t>populations and vulnerabilities</a:t>
-            </a:r>
-          </a:p>
-          <a:p>
-            <a:pPr lvl="1"/>
-            <a:r>
-              <a:rPr lang="en-US" dirty="0">
-                <a:highlight>
-                  <a:srgbClr val="FFFF00"/>
-                </a:highlight>
-              </a:rPr>
-              <a:t>Health status:</a:t>
-            </a:r>
-          </a:p>
-          <a:p>
             <a:pPr lvl="1">
               <a:buFont typeface="Wingdings" panose="05000000000000000000" pitchFamily="2" charset="2"/>
               <a:buChar char="ü"/>
             </a:pPr>
             <a:r>
+              <a:rPr lang="en-US" dirty="0">
+                <a:highlight>
+                  <a:srgbClr val="C0C0C0"/>
+                </a:highlight>
+              </a:rPr>
+              <a:t>Crude prevalence of depression among adults &gt;= 18 years</a:t>
+            </a:r>
+          </a:p>
+          <a:p>
+            <a:pPr lvl="1"/>
+            <a:endParaRPr lang="en-US" dirty="0"/>
+          </a:p>
+          <a:p>
+            <a:pPr lvl="1"/>
+            <a:r>
               <a:rPr lang="en-US" dirty="0"/>
-              <a:t>Crude prevalence of depression among adults &gt;= 18 years</a:t>
+              <a:t>:</a:t>
             </a:r>
           </a:p>
           <a:p>
@@ -4920,16 +4200,12 @@
               <a:buChar char="ü"/>
             </a:pPr>
             <a:r>
-              <a:rPr lang="en-US" dirty="0"/>
-              <a:t>Crude prevalence of self rated health status among adults &gt;=18 </a:t>
-            </a:r>
-            <a:r>
-              <a:rPr lang="en-US" dirty="0" err="1"/>
-              <a:t>yrs</a:t>
-            </a:r>
-            <a:r>
-              <a:rPr lang="en-US" dirty="0"/>
-              <a:t> </a:t>
+              <a:rPr lang="en-US" dirty="0">
+                <a:highlight>
+                  <a:srgbClr val="C0C0C0"/>
+                </a:highlight>
+              </a:rPr>
+              <a:t>Crude prevalence of doctor visits for routine check up among adults &gt;18 years</a:t>
             </a:r>
           </a:p>
           <a:p>
@@ -4938,23 +4214,12 @@
               <a:buChar char="ü"/>
             </a:pPr>
             <a:r>
-              <a:rPr lang="en-US" dirty="0"/>
-              <a:t>Number of people &gt;= 5 years of age with a disability</a:t>
-            </a:r>
-          </a:p>
-          <a:p>
-            <a:pPr lvl="1"/>
-            <a:endParaRPr lang="en-US" dirty="0"/>
-          </a:p>
-          <a:p>
-            <a:pPr lvl="1"/>
-            <a:r>
               <a:rPr lang="en-US" dirty="0">
                 <a:highlight>
-                  <a:srgbClr val="FFFF00"/>
+                  <a:srgbClr val="C0C0C0"/>
                 </a:highlight>
               </a:rPr>
-              <a:t>Prevention:</a:t>
+              <a:t>SVI</a:t>
             </a:r>
           </a:p>
           <a:p>
@@ -4963,8 +4228,12 @@
               <a:buChar char="ü"/>
             </a:pPr>
             <a:r>
-              <a:rPr lang="en-US" dirty="0"/>
-              <a:t>Crude prevalence current lack of health insurance, 18-65 years</a:t>
+              <a:rPr lang="en-US" dirty="0">
+                <a:highlight>
+                  <a:srgbClr val="C0C0C0"/>
+                </a:highlight>
+              </a:rPr>
+              <a:t>Number of people &gt;=16 years unemployed</a:t>
             </a:r>
           </a:p>
           <a:p>
@@ -4972,10 +4241,11 @@
               <a:buFont typeface="Wingdings" panose="05000000000000000000" pitchFamily="2" charset="2"/>
               <a:buChar char="ü"/>
             </a:pPr>
-            <a:r>
-              <a:rPr lang="en-US" dirty="0"/>
-              <a:t>Crude prevalence of doctor visits for routine check up among adults &gt;18 years</a:t>
-            </a:r>
+            <a:endParaRPr lang="en-US" dirty="0">
+              <a:highlight>
+                <a:srgbClr val="C0C0C0"/>
+              </a:highlight>
+            </a:endParaRPr>
           </a:p>
           <a:p>
             <a:pPr lvl="1"/>
@@ -4999,317 +4269,6 @@
     <p:extLst>
       <p:ext uri="{BB962C8B-B14F-4D97-AF65-F5344CB8AC3E}">
         <p14:creationId xmlns:p14="http://schemas.microsoft.com/office/powerpoint/2010/main" val="1243862493"/>
-      </p:ext>
-    </p:extLst>
-  </p:cSld>
-  <p:clrMapOvr>
-    <a:masterClrMapping/>
-  </p:clrMapOvr>
-</p:sld>
-</file>
-
-<file path=ppt/slides/slide7.xml><?xml version="1.0" encoding="utf-8"?>
-<p:sld xmlns:a="http://schemas.openxmlformats.org/drawingml/2006/main" xmlns:r="http://schemas.openxmlformats.org/officeDocument/2006/relationships" xmlns:p="http://schemas.openxmlformats.org/presentationml/2006/main">
-  <p:cSld>
-    <p:spTree>
-      <p:nvGrpSpPr>
-        <p:cNvPr id="1" name=""/>
-        <p:cNvGrpSpPr/>
-        <p:nvPr/>
-      </p:nvGrpSpPr>
-      <p:grpSpPr>
-        <a:xfrm>
-          <a:off x="0" y="0"/>
-          <a:ext cx="0" cy="0"/>
-          <a:chOff x="0" y="0"/>
-          <a:chExt cx="0" cy="0"/>
-        </a:xfrm>
-      </p:grpSpPr>
-      <p:sp>
-        <p:nvSpPr>
-          <p:cNvPr id="2" name="Title 1">
-            <a:extLst>
-              <a:ext uri="{FF2B5EF4-FFF2-40B4-BE49-F238E27FC236}">
-                <a16:creationId xmlns:a16="http://schemas.microsoft.com/office/drawing/2014/main" id="{A492A05D-726B-CF52-B2FA-BE19C312E10F}"/>
-              </a:ext>
-            </a:extLst>
-          </p:cNvPr>
-          <p:cNvSpPr>
-            <a:spLocks noGrp="1"/>
-          </p:cNvSpPr>
-          <p:nvPr>
-            <p:ph type="title"/>
-          </p:nvPr>
-        </p:nvSpPr>
-        <p:spPr/>
-        <p:txBody>
-          <a:bodyPr>
-            <a:normAutofit/>
-          </a:bodyPr>
-          <a:lstStyle/>
-          <a:p>
-            <a:r>
-              <a:rPr lang="en-US" sz="4000" dirty="0">
-                <a:latin typeface="+mn-lt"/>
-              </a:rPr>
-              <a:t>Dataset collection: </a:t>
-            </a:r>
-            <a:br>
-              <a:rPr lang="en-US" sz="4000" dirty="0">
-                <a:latin typeface="+mn-lt"/>
-              </a:rPr>
-            </a:br>
-            <a:r>
-              <a:rPr lang="en-US" sz="2000" dirty="0">
-                <a:latin typeface="+mn-lt"/>
-              </a:rPr>
-              <a:t>CDC query panel – NEPHTN-</a:t>
-            </a:r>
-            <a:r>
-              <a:rPr lang="en-US" sz="2000" b="0" i="0" dirty="0">
-                <a:effectLst/>
-                <a:latin typeface="+mn-lt"/>
-              </a:rPr>
-              <a:t>National Environmental Public Health Tracking Network</a:t>
-            </a:r>
-            <a:endParaRPr lang="en-US" sz="2000" dirty="0">
-              <a:latin typeface="+mn-lt"/>
-            </a:endParaRPr>
-          </a:p>
-        </p:txBody>
-      </p:sp>
-      <p:sp>
-        <p:nvSpPr>
-          <p:cNvPr id="3" name="Content Placeholder 2">
-            <a:extLst>
-              <a:ext uri="{FF2B5EF4-FFF2-40B4-BE49-F238E27FC236}">
-                <a16:creationId xmlns:a16="http://schemas.microsoft.com/office/drawing/2014/main" id="{99506863-7564-3A6B-74FB-CF593643A413}"/>
-              </a:ext>
-            </a:extLst>
-          </p:cNvPr>
-          <p:cNvSpPr>
-            <a:spLocks noGrp="1"/>
-          </p:cNvSpPr>
-          <p:nvPr>
-            <p:ph idx="1"/>
-          </p:nvPr>
-        </p:nvSpPr>
-        <p:spPr/>
-        <p:txBody>
-          <a:bodyPr>
-            <a:normAutofit/>
-          </a:bodyPr>
-          <a:lstStyle/>
-          <a:p>
-            <a:r>
-              <a:rPr lang="en-US" dirty="0"/>
-              <a:t>SDOH Factors :</a:t>
-            </a:r>
-          </a:p>
-          <a:p>
-            <a:pPr lvl="1"/>
-            <a:r>
-              <a:rPr lang="en-US" dirty="0">
-                <a:highlight>
-                  <a:srgbClr val="FFFF00"/>
-                </a:highlight>
-              </a:rPr>
-              <a:t>populations and vulnerabilities</a:t>
-            </a:r>
-          </a:p>
-          <a:p>
-            <a:pPr lvl="1"/>
-            <a:r>
-              <a:rPr lang="en-US" dirty="0">
-                <a:highlight>
-                  <a:srgbClr val="FFFF00"/>
-                </a:highlight>
-              </a:rPr>
-              <a:t>Socio economic status: </a:t>
-            </a:r>
-          </a:p>
-          <a:p>
-            <a:pPr lvl="1">
-              <a:buFont typeface="Wingdings" panose="05000000000000000000" pitchFamily="2" charset="2"/>
-              <a:buChar char="ü"/>
-            </a:pPr>
-            <a:r>
-              <a:rPr lang="en-US" dirty="0"/>
-              <a:t>Number of people &gt;=16 years unemployed</a:t>
-            </a:r>
-          </a:p>
-          <a:p>
-            <a:pPr lvl="1"/>
-            <a:endParaRPr lang="en-US" dirty="0"/>
-          </a:p>
-          <a:p>
-            <a:pPr lvl="1"/>
-            <a:endParaRPr lang="en-US" dirty="0"/>
-          </a:p>
-          <a:p>
-            <a:pPr marL="457200" lvl="1" indent="0">
-              <a:buNone/>
-            </a:pPr>
-            <a:endParaRPr lang="en-US" dirty="0"/>
-          </a:p>
-          <a:p>
-            <a:pPr lvl="1"/>
-            <a:endParaRPr lang="en-US" dirty="0"/>
-          </a:p>
-          <a:p>
-            <a:pPr lvl="1"/>
-            <a:endParaRPr lang="en-US" dirty="0"/>
-          </a:p>
-        </p:txBody>
-      </p:sp>
-    </p:spTree>
-    <p:extLst>
-      <p:ext uri="{BB962C8B-B14F-4D97-AF65-F5344CB8AC3E}">
-        <p14:creationId xmlns:p14="http://schemas.microsoft.com/office/powerpoint/2010/main" val="1586559075"/>
-      </p:ext>
-    </p:extLst>
-  </p:cSld>
-  <p:clrMapOvr>
-    <a:masterClrMapping/>
-  </p:clrMapOvr>
-</p:sld>
-</file>
-
-<file path=ppt/slides/slide8.xml><?xml version="1.0" encoding="utf-8"?>
-<p:sld xmlns:a="http://schemas.openxmlformats.org/drawingml/2006/main" xmlns:r="http://schemas.openxmlformats.org/officeDocument/2006/relationships" xmlns:p="http://schemas.openxmlformats.org/presentationml/2006/main">
-  <p:cSld>
-    <p:spTree>
-      <p:nvGrpSpPr>
-        <p:cNvPr id="1" name=""/>
-        <p:cNvGrpSpPr/>
-        <p:nvPr/>
-      </p:nvGrpSpPr>
-      <p:grpSpPr>
-        <a:xfrm>
-          <a:off x="0" y="0"/>
-          <a:ext cx="0" cy="0"/>
-          <a:chOff x="0" y="0"/>
-          <a:chExt cx="0" cy="0"/>
-        </a:xfrm>
-      </p:grpSpPr>
-      <p:sp>
-        <p:nvSpPr>
-          <p:cNvPr id="2" name="Title 1">
-            <a:extLst>
-              <a:ext uri="{FF2B5EF4-FFF2-40B4-BE49-F238E27FC236}">
-                <a16:creationId xmlns:a16="http://schemas.microsoft.com/office/drawing/2014/main" id="{EFFF7B05-8796-A850-303F-033EB5EFF34C}"/>
-              </a:ext>
-            </a:extLst>
-          </p:cNvPr>
-          <p:cNvSpPr>
-            <a:spLocks noGrp="1"/>
-          </p:cNvSpPr>
-          <p:nvPr>
-            <p:ph type="title"/>
-          </p:nvPr>
-        </p:nvSpPr>
-        <p:spPr/>
-        <p:txBody>
-          <a:bodyPr/>
-          <a:lstStyle/>
-          <a:p>
-            <a:r>
-              <a:rPr lang="en-US" dirty="0"/>
-              <a:t>ATSDR datasets </a:t>
-            </a:r>
-          </a:p>
-        </p:txBody>
-      </p:sp>
-      <p:sp>
-        <p:nvSpPr>
-          <p:cNvPr id="3" name="Content Placeholder 2">
-            <a:extLst>
-              <a:ext uri="{FF2B5EF4-FFF2-40B4-BE49-F238E27FC236}">
-                <a16:creationId xmlns:a16="http://schemas.microsoft.com/office/drawing/2014/main" id="{6D01DBF2-8C10-B8E7-904A-C2E50E97FEB8}"/>
-              </a:ext>
-            </a:extLst>
-          </p:cNvPr>
-          <p:cNvSpPr>
-            <a:spLocks noGrp="1"/>
-          </p:cNvSpPr>
-          <p:nvPr>
-            <p:ph idx="1"/>
-          </p:nvPr>
-        </p:nvSpPr>
-        <p:spPr/>
-        <p:txBody>
-          <a:bodyPr>
-            <a:normAutofit/>
-          </a:bodyPr>
-          <a:lstStyle/>
-          <a:p>
-            <a:r>
-              <a:rPr lang="en-US" dirty="0"/>
-              <a:t>CDC/ATSDR Social Vulnerability Index (SVI)</a:t>
-            </a:r>
-          </a:p>
-          <a:p>
-            <a:r>
-              <a:rPr lang="en-US" dirty="0"/>
-              <a:t>Year: 2020, dataset: </a:t>
-            </a:r>
-            <a:r>
-              <a:rPr lang="en-US" dirty="0">
-                <a:highlight>
-                  <a:srgbClr val="FFFF00"/>
-                </a:highlight>
-              </a:rPr>
-              <a:t>RPL_THEMES column</a:t>
-            </a:r>
-          </a:p>
-          <a:p>
-            <a:r>
-              <a:rPr lang="en-US" dirty="0"/>
-              <a:t>Geographical location: CA, census tract level, FIPS – 11 digit code</a:t>
-            </a:r>
-          </a:p>
-          <a:p>
-            <a:r>
-              <a:rPr lang="en-US" dirty="0"/>
-              <a:t>Available at: </a:t>
-            </a:r>
-            <a:r>
-              <a:rPr lang="en-US" dirty="0">
-                <a:hlinkClick r:id="rId2"/>
-              </a:rPr>
-              <a:t>CDC/ATSDR SVI Data and Documentation Download | Place and Health | ATSDR</a:t>
-            </a:r>
-            <a:r>
-              <a:rPr lang="en-US" dirty="0"/>
-              <a:t> </a:t>
-            </a:r>
-          </a:p>
-          <a:p>
-            <a:r>
-              <a:rPr lang="en-US" dirty="0"/>
-              <a:t>What is SVI?  </a:t>
-            </a:r>
-          </a:p>
-          <a:p>
-            <a:pPr lvl="1"/>
-            <a:r>
-              <a:rPr lang="en-US" dirty="0"/>
-              <a:t>Relative vulnerability a region/location. Ranks based on 16 social factors</a:t>
-            </a:r>
-          </a:p>
-          <a:p>
-            <a:pPr lvl="1"/>
-            <a:r>
-              <a:rPr lang="en-US" dirty="0"/>
-              <a:t>help public health officials and emergency response planners identify and map the communities that will most likely need support before, during, and after a hazardous event</a:t>
-            </a:r>
-          </a:p>
-        </p:txBody>
-      </p:sp>
-    </p:spTree>
-    <p:extLst>
-      <p:ext uri="{BB962C8B-B14F-4D97-AF65-F5344CB8AC3E}">
-        <p14:creationId xmlns:p14="http://schemas.microsoft.com/office/powerpoint/2010/main" val="3219774700"/>
       </p:ext>
     </p:extLst>
   </p:cSld>
